--- a/dead-of-winter.pptx
+++ b/dead-of-winter.pptx
@@ -5,7 +5,7 @@
     <p:sldMasterId id="2147483660" r:id="rId1"/>
   </p:sldMasterIdLst>
   <p:notesMasterIdLst>
-    <p:notesMasterId r:id="rId13"/>
+    <p:notesMasterId r:id="rId12"/>
   </p:notesMasterIdLst>
   <p:sldIdLst>
     <p:sldId id="257" r:id="rId2"/>
@@ -15,10 +15,9 @@
     <p:sldId id="261" r:id="rId6"/>
     <p:sldId id="263" r:id="rId7"/>
     <p:sldId id="267" r:id="rId8"/>
-    <p:sldId id="264" r:id="rId9"/>
-    <p:sldId id="262" r:id="rId10"/>
-    <p:sldId id="265" r:id="rId11"/>
-    <p:sldId id="266" r:id="rId12"/>
+    <p:sldId id="262" r:id="rId9"/>
+    <p:sldId id="265" r:id="rId10"/>
+    <p:sldId id="266" r:id="rId11"/>
   </p:sldIdLst>
   <p:sldSz cx="9144000" cy="6858000" type="screen4x3"/>
   <p:notesSz cx="6858000" cy="9144000"/>
@@ -203,7 +202,7 @@
             <a:fld id="{777B7517-D27A-498B-A049-F2E69CA55CA5}" type="datetimeFigureOut">
               <a:rPr lang="bg-BG" smtClean="0"/>
               <a:pPr/>
-              <a:t>10.4.2016 г.</a:t>
+              <a:t>12.4.2016 г.</a:t>
             </a:fld>
             <a:endParaRPr lang="bg-BG"/>
           </a:p>
@@ -581,7 +580,7 @@
             <a:fld id="{1D8BD707-D9CF-40AE-B4C6-C98DA3205C09}" type="datetimeFigureOut">
               <a:rPr lang="en-US" smtClean="0"/>
               <a:pPr/>
-              <a:t>4/10/2016</a:t>
+              <a:t>4/12/2016</a:t>
             </a:fld>
             <a:endParaRPr lang="en-US"/>
           </a:p>
@@ -809,7 +808,7 @@
             <a:fld id="{1D8BD707-D9CF-40AE-B4C6-C98DA3205C09}" type="datetimeFigureOut">
               <a:rPr lang="en-US" smtClean="0"/>
               <a:pPr/>
-              <a:t>4/10/2016</a:t>
+              <a:t>4/12/2016</a:t>
             </a:fld>
             <a:endParaRPr lang="en-US"/>
           </a:p>
@@ -986,7 +985,7 @@
             <a:fld id="{1D8BD707-D9CF-40AE-B4C6-C98DA3205C09}" type="datetimeFigureOut">
               <a:rPr lang="en-US" smtClean="0"/>
               <a:pPr/>
-              <a:t>4/10/2016</a:t>
+              <a:t>4/12/2016</a:t>
             </a:fld>
             <a:endParaRPr lang="en-US"/>
           </a:p>
@@ -1153,7 +1152,7 @@
             <a:fld id="{1D8BD707-D9CF-40AE-B4C6-C98DA3205C09}" type="datetimeFigureOut">
               <a:rPr lang="en-US" smtClean="0"/>
               <a:pPr/>
-              <a:t>4/10/2016</a:t>
+              <a:t>4/12/2016</a:t>
             </a:fld>
             <a:endParaRPr lang="en-US"/>
           </a:p>
@@ -1399,7 +1398,7 @@
             <a:fld id="{1D8BD707-D9CF-40AE-B4C6-C98DA3205C09}" type="datetimeFigureOut">
               <a:rPr lang="en-US" smtClean="0"/>
               <a:pPr/>
-              <a:t>4/10/2016</a:t>
+              <a:t>4/12/2016</a:t>
             </a:fld>
             <a:endParaRPr lang="en-US"/>
           </a:p>
@@ -1665,7 +1664,7 @@
             <a:fld id="{1D8BD707-D9CF-40AE-B4C6-C98DA3205C09}" type="datetimeFigureOut">
               <a:rPr lang="en-US" smtClean="0"/>
               <a:pPr/>
-              <a:t>4/10/2016</a:t>
+              <a:t>4/12/2016</a:t>
             </a:fld>
             <a:endParaRPr lang="en-US"/>
           </a:p>
@@ -2041,7 +2040,7 @@
             <a:fld id="{1D8BD707-D9CF-40AE-B4C6-C98DA3205C09}" type="datetimeFigureOut">
               <a:rPr lang="en-US" smtClean="0"/>
               <a:pPr/>
-              <a:t>4/10/2016</a:t>
+              <a:t>4/12/2016</a:t>
             </a:fld>
             <a:endParaRPr lang="en-US"/>
           </a:p>
@@ -2156,7 +2155,7 @@
             <a:fld id="{1D8BD707-D9CF-40AE-B4C6-C98DA3205C09}" type="datetimeFigureOut">
               <a:rPr lang="en-US" smtClean="0"/>
               <a:pPr/>
-              <a:t>4/10/2016</a:t>
+              <a:t>4/12/2016</a:t>
             </a:fld>
             <a:endParaRPr lang="en-US"/>
           </a:p>
@@ -2248,7 +2247,7 @@
             <a:fld id="{1D8BD707-D9CF-40AE-B4C6-C98DA3205C09}" type="datetimeFigureOut">
               <a:rPr lang="en-US" smtClean="0"/>
               <a:pPr/>
-              <a:t>4/10/2016</a:t>
+              <a:t>4/12/2016</a:t>
             </a:fld>
             <a:endParaRPr lang="en-US"/>
           </a:p>
@@ -2508,7 +2507,7 @@
             <a:fld id="{1D8BD707-D9CF-40AE-B4C6-C98DA3205C09}" type="datetimeFigureOut">
               <a:rPr lang="en-US" smtClean="0"/>
               <a:pPr/>
-              <a:t>4/10/2016</a:t>
+              <a:t>4/12/2016</a:t>
             </a:fld>
             <a:endParaRPr lang="en-US"/>
           </a:p>
@@ -2774,7 +2773,7 @@
             <a:fld id="{1D8BD707-D9CF-40AE-B4C6-C98DA3205C09}" type="datetimeFigureOut">
               <a:rPr lang="en-US" smtClean="0"/>
               <a:pPr/>
-              <a:t>4/10/2016</a:t>
+              <a:t>4/12/2016</a:t>
             </a:fld>
             <a:endParaRPr lang="en-US"/>
           </a:p>
@@ -2993,7 +2992,7 @@
             <a:fld id="{1D8BD707-D9CF-40AE-B4C6-C98DA3205C09}" type="datetimeFigureOut">
               <a:rPr lang="en-US" smtClean="0"/>
               <a:pPr/>
-              <a:t>4/10/2016</a:t>
+              <a:t>4/12/2016</a:t>
             </a:fld>
             <a:endParaRPr lang="en-US"/>
           </a:p>
@@ -3805,307 +3804,6 @@
         </p:nvSpPr>
         <p:spPr>
           <a:xfrm>
-            <a:off x="2133600" y="1752600"/>
-            <a:ext cx="4506490" cy="4154984"/>
-          </a:xfrm>
-          <a:prstGeom prst="rect">
-            <a:avLst/>
-          </a:prstGeom>
-          <a:noFill/>
-        </p:spPr>
-        <p:txBody>
-          <a:bodyPr wrap="none" rtlCol="0">
-            <a:spAutoFit/>
-          </a:bodyPr>
-          <a:lstStyle/>
-          <a:p>
-            <a:pPr algn="ctr"/>
-            <a:r>
-              <a:rPr lang="en-US" sz="4800" dirty="0" smtClean="0">
-                <a:solidFill>
-                  <a:schemeClr val="bg1"/>
-                </a:solidFill>
-                <a:latin typeface="Arial" pitchFamily="34" charset="0"/>
-                <a:cs typeface="Arial" pitchFamily="34" charset="0"/>
-              </a:rPr>
-              <a:t>Future Plans:</a:t>
-            </a:r>
-            <a:endParaRPr lang="en-US" sz="2200" dirty="0" smtClean="0">
-              <a:solidFill>
-                <a:schemeClr val="bg1"/>
-              </a:solidFill>
-              <a:latin typeface="Arial" pitchFamily="34" charset="0"/>
-              <a:cs typeface="Arial" pitchFamily="34" charset="0"/>
-            </a:endParaRPr>
-          </a:p>
-          <a:p>
-            <a:endParaRPr lang="en-US" dirty="0" smtClean="0">
-              <a:solidFill>
-                <a:schemeClr val="bg1"/>
-              </a:solidFill>
-              <a:latin typeface="Arial" pitchFamily="34" charset="0"/>
-              <a:cs typeface="Arial" pitchFamily="34" charset="0"/>
-            </a:endParaRPr>
-          </a:p>
-          <a:p>
-            <a:r>
-              <a:rPr lang="en-US" dirty="0" smtClean="0">
-                <a:solidFill>
-                  <a:schemeClr val="bg1"/>
-                </a:solidFill>
-                <a:latin typeface="Arial" pitchFamily="34" charset="0"/>
-                <a:cs typeface="Arial" pitchFamily="34" charset="0"/>
-              </a:rPr>
-              <a:t>- Save Game Option</a:t>
-            </a:r>
-          </a:p>
-          <a:p>
-            <a:endParaRPr lang="en-US" dirty="0" smtClean="0">
-              <a:solidFill>
-                <a:schemeClr val="bg1"/>
-              </a:solidFill>
-              <a:latin typeface="Arial" pitchFamily="34" charset="0"/>
-              <a:cs typeface="Arial" pitchFamily="34" charset="0"/>
-            </a:endParaRPr>
-          </a:p>
-          <a:p>
-            <a:pPr>
-              <a:buFontTx/>
-              <a:buChar char="-"/>
-            </a:pPr>
-            <a:r>
-              <a:rPr lang="en-US" dirty="0" smtClean="0">
-                <a:solidFill>
-                  <a:schemeClr val="bg1"/>
-                </a:solidFill>
-                <a:latin typeface="Arial" pitchFamily="34" charset="0"/>
-                <a:cs typeface="Arial" pitchFamily="34" charset="0"/>
-              </a:rPr>
-              <a:t> Multiplayer integration</a:t>
-            </a:r>
-          </a:p>
-          <a:p>
-            <a:pPr>
-              <a:buFontTx/>
-              <a:buChar char="-"/>
-            </a:pPr>
-            <a:endParaRPr lang="en-US" dirty="0" smtClean="0">
-              <a:solidFill>
-                <a:schemeClr val="bg1"/>
-              </a:solidFill>
-              <a:latin typeface="Arial" pitchFamily="34" charset="0"/>
-              <a:cs typeface="Arial" pitchFamily="34" charset="0"/>
-            </a:endParaRPr>
-          </a:p>
-          <a:p>
-            <a:pPr>
-              <a:buFontTx/>
-              <a:buChar char="-"/>
-            </a:pPr>
-            <a:r>
-              <a:rPr lang="en-US" dirty="0" smtClean="0">
-                <a:solidFill>
-                  <a:schemeClr val="bg1"/>
-                </a:solidFill>
-                <a:latin typeface="Arial" pitchFamily="34" charset="0"/>
-                <a:cs typeface="Arial" pitchFamily="34" charset="0"/>
-              </a:rPr>
-              <a:t> New Heroes</a:t>
-            </a:r>
-          </a:p>
-          <a:p>
-            <a:pPr>
-              <a:buFontTx/>
-              <a:buChar char="-"/>
-            </a:pPr>
-            <a:endParaRPr lang="en-US" dirty="0" smtClean="0">
-              <a:solidFill>
-                <a:schemeClr val="bg1"/>
-              </a:solidFill>
-              <a:latin typeface="Arial" pitchFamily="34" charset="0"/>
-              <a:cs typeface="Arial" pitchFamily="34" charset="0"/>
-            </a:endParaRPr>
-          </a:p>
-          <a:p>
-            <a:pPr>
-              <a:buFontTx/>
-              <a:buChar char="-"/>
-            </a:pPr>
-            <a:r>
-              <a:rPr lang="en-US" dirty="0" smtClean="0">
-                <a:solidFill>
-                  <a:schemeClr val="bg1"/>
-                </a:solidFill>
-                <a:latin typeface="Arial" pitchFamily="34" charset="0"/>
-                <a:cs typeface="Arial" pitchFamily="34" charset="0"/>
-              </a:rPr>
-              <a:t> New Items</a:t>
-            </a:r>
-          </a:p>
-          <a:p>
-            <a:pPr>
-              <a:buFontTx/>
-              <a:buChar char="-"/>
-            </a:pPr>
-            <a:endParaRPr lang="en-US" dirty="0" smtClean="0">
-              <a:solidFill>
-                <a:schemeClr val="bg1"/>
-              </a:solidFill>
-              <a:latin typeface="Arial" pitchFamily="34" charset="0"/>
-              <a:cs typeface="Arial" pitchFamily="34" charset="0"/>
-            </a:endParaRPr>
-          </a:p>
-          <a:p>
-            <a:pPr>
-              <a:buFontTx/>
-              <a:buChar char="-"/>
-            </a:pPr>
-            <a:r>
-              <a:rPr lang="en-US" dirty="0" smtClean="0">
-                <a:solidFill>
-                  <a:schemeClr val="bg1"/>
-                </a:solidFill>
-                <a:latin typeface="Arial" pitchFamily="34" charset="0"/>
-                <a:cs typeface="Arial" pitchFamily="34" charset="0"/>
-              </a:rPr>
-              <a:t> Adding Survivor, Item and Player abilities</a:t>
-            </a:r>
-          </a:p>
-          <a:p>
-            <a:pPr>
-              <a:buFontTx/>
-              <a:buChar char="-"/>
-            </a:pPr>
-            <a:endParaRPr lang="en-US" dirty="0" smtClean="0">
-              <a:solidFill>
-                <a:schemeClr val="bg1"/>
-              </a:solidFill>
-              <a:latin typeface="Arial" pitchFamily="34" charset="0"/>
-              <a:cs typeface="Arial" pitchFamily="34" charset="0"/>
-            </a:endParaRPr>
-          </a:p>
-          <a:p>
-            <a:pPr>
-              <a:buFontTx/>
-              <a:buChar char="-"/>
-            </a:pPr>
-            <a:r>
-              <a:rPr lang="en-US" dirty="0" smtClean="0">
-                <a:solidFill>
-                  <a:schemeClr val="bg1"/>
-                </a:solidFill>
-                <a:latin typeface="Arial" pitchFamily="34" charset="0"/>
-                <a:cs typeface="Arial" pitchFamily="34" charset="0"/>
-              </a:rPr>
-              <a:t> Adding chat for multiplayer</a:t>
-            </a:r>
-          </a:p>
-        </p:txBody>
-      </p:sp>
-    </p:spTree>
-  </p:cSld>
-  <p:clrMapOvr>
-    <a:masterClrMapping/>
-  </p:clrMapOvr>
-  <p:timing>
-    <p:tnLst>
-      <p:par>
-        <p:cTn id="1" dur="indefinite" restart="never" nodeType="tmRoot"/>
-      </p:par>
-    </p:tnLst>
-  </p:timing>
-</p:sld>
-</file>
-
-<file path=ppt/slides/slide11.xml><?xml version="1.0" encoding="utf-8"?>
-<p:sld xmlns:a="http://schemas.openxmlformats.org/drawingml/2006/main" xmlns:r="http://schemas.openxmlformats.org/officeDocument/2006/relationships" xmlns:p="http://schemas.openxmlformats.org/presentationml/2006/main">
-  <p:cSld>
-    <p:spTree>
-      <p:nvGrpSpPr>
-        <p:cNvPr id="1" name=""/>
-        <p:cNvGrpSpPr/>
-        <p:nvPr/>
-      </p:nvGrpSpPr>
-      <p:grpSpPr>
-        <a:xfrm>
-          <a:off x="0" y="0"/>
-          <a:ext cx="0" cy="0"/>
-          <a:chOff x="0" y="0"/>
-          <a:chExt cx="0" cy="0"/>
-        </a:xfrm>
-      </p:grpSpPr>
-      <p:sp>
-        <p:nvSpPr>
-          <p:cNvPr id="2" name="Title 1"/>
-          <p:cNvSpPr>
-            <a:spLocks noGrp="1"/>
-          </p:cNvSpPr>
-          <p:nvPr>
-            <p:ph type="title"/>
-          </p:nvPr>
-        </p:nvSpPr>
-        <p:spPr/>
-        <p:txBody>
-          <a:bodyPr/>
-          <a:lstStyle/>
-          <a:p>
-            <a:endParaRPr lang="bg-BG" dirty="0"/>
-          </a:p>
-        </p:txBody>
-      </p:sp>
-      <p:sp>
-        <p:nvSpPr>
-          <p:cNvPr id="3" name="Content Placeholder 2"/>
-          <p:cNvSpPr>
-            <a:spLocks noGrp="1"/>
-          </p:cNvSpPr>
-          <p:nvPr>
-            <p:ph idx="1"/>
-          </p:nvPr>
-        </p:nvSpPr>
-        <p:spPr/>
-        <p:txBody>
-          <a:bodyPr/>
-          <a:lstStyle/>
-          <a:p>
-            <a:endParaRPr lang="bg-BG" dirty="0"/>
-          </a:p>
-        </p:txBody>
-      </p:sp>
-      <p:pic>
-        <p:nvPicPr>
-          <p:cNvPr id="2051" name="Picture 3" descr="C:\Users\Admin\Desktop\background - Copy.jpg"/>
-          <p:cNvPicPr>
-            <a:picLocks noChangeAspect="1" noChangeArrowheads="1"/>
-          </p:cNvPicPr>
-          <p:nvPr/>
-        </p:nvPicPr>
-        <p:blipFill>
-          <a:blip r:embed="rId2"/>
-          <a:srcRect/>
-          <a:stretch>
-            <a:fillRect/>
-          </a:stretch>
-        </p:blipFill>
-        <p:spPr bwMode="auto">
-          <a:xfrm>
-            <a:off x="0" y="0"/>
-            <a:ext cx="9144000" cy="6887518"/>
-          </a:xfrm>
-          <a:prstGeom prst="rect">
-            <a:avLst/>
-          </a:prstGeom>
-          <a:noFill/>
-        </p:spPr>
-      </p:pic>
-      <p:sp>
-        <p:nvSpPr>
-          <p:cNvPr id="5" name="TextBox 4"/>
-          <p:cNvSpPr txBox="1"/>
-          <p:nvPr/>
-        </p:nvSpPr>
-        <p:spPr>
-          <a:xfrm>
             <a:off x="2819400" y="1752600"/>
             <a:ext cx="3270191" cy="2308324"/>
           </a:xfrm>
@@ -4365,8 +4063,25 @@
                 <a:latin typeface="Arial" pitchFamily="34" charset="0"/>
                 <a:cs typeface="Arial" pitchFamily="34" charset="0"/>
               </a:rPr>
-              <a:t> You can use different types of items and player abilities</a:t>
-            </a:r>
+              <a:t> You can use </a:t>
+            </a:r>
+            <a:r>
+              <a:rPr lang="en-US" dirty="0" smtClean="0">
+                <a:solidFill>
+                  <a:schemeClr val="bg1"/>
+                </a:solidFill>
+                <a:latin typeface="Arial" pitchFamily="34" charset="0"/>
+                <a:cs typeface="Arial" pitchFamily="34" charset="0"/>
+              </a:rPr>
+              <a:t>items</a:t>
+            </a:r>
+            <a:endParaRPr lang="en-US" dirty="0" smtClean="0">
+              <a:solidFill>
+                <a:schemeClr val="bg1"/>
+              </a:solidFill>
+              <a:latin typeface="Arial" pitchFamily="34" charset="0"/>
+              <a:cs typeface="Arial" pitchFamily="34" charset="0"/>
+            </a:endParaRPr>
           </a:p>
           <a:p>
             <a:pPr>
@@ -4475,7 +4190,17 @@
                 <a:latin typeface="Arial" pitchFamily="34" charset="0"/>
                 <a:cs typeface="Arial" pitchFamily="34" charset="0"/>
               </a:rPr>
-              <a:t>And of course this is not everything – you have a limited time to complete </a:t>
+              <a:t> And </a:t>
+            </a:r>
+            <a:r>
+              <a:rPr lang="en-US" dirty="0" smtClean="0">
+                <a:solidFill>
+                  <a:schemeClr val="bg1"/>
+                </a:solidFill>
+                <a:latin typeface="Arial" pitchFamily="34" charset="0"/>
+                <a:cs typeface="Arial" pitchFamily="34" charset="0"/>
+              </a:rPr>
+              <a:t>of course this is not everything – you have a limited time to complete </a:t>
             </a:r>
           </a:p>
           <a:p>
@@ -4603,8 +4328,8 @@
         </p:nvSpPr>
         <p:spPr>
           <a:xfrm>
-            <a:off x="1219200" y="1600200"/>
-            <a:ext cx="7015767" cy="4062651"/>
+            <a:off x="2133600" y="1219200"/>
+            <a:ext cx="4744312" cy="4616648"/>
           </a:xfrm>
           <a:prstGeom prst="rect">
             <a:avLst/>
@@ -4651,7 +4376,17 @@
                 <a:latin typeface="Arial" pitchFamily="34" charset="0"/>
                 <a:cs typeface="Arial" pitchFamily="34" charset="0"/>
               </a:rPr>
-              <a:t> Different game difficulty</a:t>
+              <a:t> </a:t>
+            </a:r>
+            <a:r>
+              <a:rPr lang="en-US" dirty="0" smtClean="0">
+                <a:solidFill>
+                  <a:schemeClr val="bg1"/>
+                </a:solidFill>
+                <a:latin typeface="Arial" pitchFamily="34" charset="0"/>
+                <a:cs typeface="Arial" pitchFamily="34" charset="0"/>
+              </a:rPr>
+              <a:t>Register in our game</a:t>
             </a:r>
           </a:p>
           <a:p>
@@ -4680,7 +4415,17 @@
                 <a:latin typeface="Arial" pitchFamily="34" charset="0"/>
                 <a:cs typeface="Arial" pitchFamily="34" charset="0"/>
               </a:rPr>
-              <a:t> Availability to choose starting survivors, main and secret objective</a:t>
+              <a:t> </a:t>
+            </a:r>
+            <a:r>
+              <a:rPr lang="en-US" dirty="0" smtClean="0">
+                <a:solidFill>
+                  <a:schemeClr val="bg1"/>
+                </a:solidFill>
+                <a:latin typeface="Arial" pitchFamily="34" charset="0"/>
+                <a:cs typeface="Arial" pitchFamily="34" charset="0"/>
+              </a:rPr>
+              <a:t>Save and view your statistics</a:t>
             </a:r>
           </a:p>
           <a:p>
@@ -4709,7 +4454,27 @@
                 <a:latin typeface="Arial" pitchFamily="34" charset="0"/>
                 <a:cs typeface="Arial" pitchFamily="34" charset="0"/>
               </a:rPr>
-              <a:t> Different strategies</a:t>
+              <a:t> Different </a:t>
+            </a:r>
+            <a:r>
+              <a:rPr lang="en-US" dirty="0" smtClean="0">
+                <a:solidFill>
+                  <a:schemeClr val="bg1"/>
+                </a:solidFill>
+                <a:latin typeface="Arial" pitchFamily="34" charset="0"/>
+                <a:cs typeface="Arial" pitchFamily="34" charset="0"/>
+              </a:rPr>
+              <a:t>game </a:t>
+            </a:r>
+            <a:r>
+              <a:rPr lang="en-US" dirty="0" smtClean="0">
+                <a:solidFill>
+                  <a:schemeClr val="bg1"/>
+                </a:solidFill>
+                <a:latin typeface="Arial" pitchFamily="34" charset="0"/>
+                <a:cs typeface="Arial" pitchFamily="34" charset="0"/>
+              </a:rPr>
+              <a:t>difficulty </a:t>
             </a:r>
           </a:p>
           <a:p>
@@ -4738,7 +4503,17 @@
                 <a:latin typeface="Arial" pitchFamily="34" charset="0"/>
                 <a:cs typeface="Arial" pitchFamily="34" charset="0"/>
               </a:rPr>
-              <a:t> Dynamic map </a:t>
+              <a:t> </a:t>
+            </a:r>
+            <a:r>
+              <a:rPr lang="en-US" dirty="0" smtClean="0">
+                <a:solidFill>
+                  <a:schemeClr val="bg1"/>
+                </a:solidFill>
+                <a:latin typeface="Arial" pitchFamily="34" charset="0"/>
+                <a:cs typeface="Arial" pitchFamily="34" charset="0"/>
+              </a:rPr>
+              <a:t>Different strategies</a:t>
             </a:r>
           </a:p>
           <a:p>
@@ -4767,7 +4542,53 @@
                 <a:latin typeface="Arial" pitchFamily="34" charset="0"/>
                 <a:cs typeface="Arial" pitchFamily="34" charset="0"/>
               </a:rPr>
-              <a:t> Different situations and hardships</a:t>
+              <a:t> Dynamic map </a:t>
+            </a:r>
+            <a:endParaRPr lang="en-US" dirty="0" smtClean="0">
+              <a:solidFill>
+                <a:schemeClr val="bg1"/>
+              </a:solidFill>
+              <a:latin typeface="Arial" pitchFamily="34" charset="0"/>
+              <a:cs typeface="Arial" pitchFamily="34" charset="0"/>
+            </a:endParaRPr>
+          </a:p>
+          <a:p>
+            <a:pPr>
+              <a:buFontTx/>
+              <a:buChar char="-"/>
+            </a:pPr>
+            <a:endParaRPr lang="en-US" dirty="0" smtClean="0">
+              <a:solidFill>
+                <a:schemeClr val="bg1"/>
+              </a:solidFill>
+              <a:latin typeface="Arial" pitchFamily="34" charset="0"/>
+              <a:cs typeface="Arial" pitchFamily="34" charset="0"/>
+            </a:endParaRPr>
+          </a:p>
+          <a:p>
+            <a:pPr>
+              <a:buFontTx/>
+              <a:buChar char="-"/>
+            </a:pPr>
+            <a:r>
+              <a:rPr lang="en-US" dirty="0" smtClean="0">
+                <a:solidFill>
+                  <a:schemeClr val="bg1"/>
+                </a:solidFill>
+                <a:latin typeface="Arial" pitchFamily="34" charset="0"/>
+                <a:cs typeface="Arial" pitchFamily="34" charset="0"/>
+              </a:rPr>
+              <a:t> Different situations and </a:t>
+            </a:r>
+            <a:r>
+              <a:rPr lang="en-US" dirty="0" smtClean="0">
+                <a:solidFill>
+                  <a:schemeClr val="bg1"/>
+                </a:solidFill>
+                <a:latin typeface="Arial" pitchFamily="34" charset="0"/>
+                <a:cs typeface="Arial" pitchFamily="34" charset="0"/>
+              </a:rPr>
+              <a:t>hardships</a:t>
             </a:r>
           </a:p>
           <a:p>
@@ -4913,7 +4734,7 @@
         <p:spPr>
           <a:xfrm>
             <a:off x="1143000" y="1600200"/>
-            <a:ext cx="7037183" cy="4616648"/>
+            <a:ext cx="7037183" cy="4339650"/>
           </a:xfrm>
           <a:prstGeom prst="rect">
             <a:avLst/>
@@ -4960,7 +4781,7 @@
                 <a:latin typeface="Arial" pitchFamily="34" charset="0"/>
                 <a:cs typeface="Arial" pitchFamily="34" charset="0"/>
               </a:rPr>
-              <a:t> </a:t>
+              <a:t> Java </a:t>
             </a:r>
             <a:r>
               <a:rPr lang="en-US" dirty="0" smtClean="0">
@@ -4970,24 +4791,8 @@
                 <a:latin typeface="Arial" pitchFamily="34" charset="0"/>
                 <a:cs typeface="Arial" pitchFamily="34" charset="0"/>
               </a:rPr>
-              <a:t>Java </a:t>
-            </a:r>
-            <a:r>
-              <a:rPr lang="en-US" dirty="0" smtClean="0">
-                <a:solidFill>
-                  <a:schemeClr val="bg1"/>
-                </a:solidFill>
-                <a:latin typeface="Arial" pitchFamily="34" charset="0"/>
-                <a:cs typeface="Arial" pitchFamily="34" charset="0"/>
-              </a:rPr>
               <a:t>Core</a:t>
             </a:r>
-          </a:p>
-          <a:p>
-            <a:pPr>
-              <a:buFontTx/>
-              <a:buChar char="-"/>
-            </a:pPr>
             <a:endParaRPr lang="en-US" dirty="0" smtClean="0">
               <a:solidFill>
                 <a:schemeClr val="bg1"/>
@@ -5009,14 +4814,18 @@
                 <a:latin typeface="Arial" pitchFamily="34" charset="0"/>
                 <a:cs typeface="Arial" pitchFamily="34" charset="0"/>
               </a:rPr>
-              <a:t> Tomcat Server</a:t>
-            </a:r>
-          </a:p>
-          <a:p>
-            <a:pPr>
-              <a:buFontTx/>
-              <a:buChar char="-"/>
-            </a:pPr>
+              <a:t> Tomcat </a:t>
+            </a:r>
+            <a:r>
+              <a:rPr lang="en-US" dirty="0" smtClean="0">
+                <a:solidFill>
+                  <a:schemeClr val="bg1"/>
+                </a:solidFill>
+                <a:latin typeface="Arial" pitchFamily="34" charset="0"/>
+                <a:cs typeface="Arial" pitchFamily="34" charset="0"/>
+              </a:rPr>
+              <a:t>Server</a:t>
+            </a:r>
             <a:endParaRPr lang="en-US" dirty="0" smtClean="0">
               <a:solidFill>
                 <a:schemeClr val="bg1"/>
@@ -5058,14 +4867,18 @@
                 <a:latin typeface="Arial" pitchFamily="34" charset="0"/>
                 <a:cs typeface="Arial" pitchFamily="34" charset="0"/>
               </a:rPr>
-              <a:t> Technology</a:t>
-            </a:r>
-          </a:p>
-          <a:p>
-            <a:pPr>
-              <a:buFontTx/>
-              <a:buChar char="-"/>
-            </a:pPr>
+              <a:t> </a:t>
+            </a:r>
+            <a:r>
+              <a:rPr lang="en-US" dirty="0" smtClean="0">
+                <a:solidFill>
+                  <a:schemeClr val="bg1"/>
+                </a:solidFill>
+                <a:latin typeface="Arial" pitchFamily="34" charset="0"/>
+                <a:cs typeface="Arial" pitchFamily="34" charset="0"/>
+              </a:rPr>
+              <a:t>Technology</a:t>
+            </a:r>
             <a:endParaRPr lang="en-US" dirty="0" smtClean="0">
               <a:solidFill>
                 <a:schemeClr val="bg1"/>
@@ -5132,6 +4945,26 @@
               <a:buFontTx/>
               <a:buChar char="-"/>
             </a:pPr>
+            <a:r>
+              <a:rPr lang="en-US" dirty="0" smtClean="0">
+                <a:solidFill>
+                  <a:schemeClr val="bg1"/>
+                </a:solidFill>
+                <a:latin typeface="Arial" pitchFamily="34" charset="0"/>
+                <a:cs typeface="Arial" pitchFamily="34" charset="0"/>
+              </a:rPr>
+              <a:t> </a:t>
+            </a:r>
+            <a:r>
+              <a:rPr lang="en-US" dirty="0" smtClean="0">
+                <a:solidFill>
+                  <a:schemeClr val="bg1"/>
+                </a:solidFill>
+                <a:latin typeface="Arial" pitchFamily="34" charset="0"/>
+                <a:cs typeface="Arial" pitchFamily="34" charset="0"/>
+              </a:rPr>
+              <a:t>JDBC</a:t>
+            </a:r>
             <a:endParaRPr lang="en-US" dirty="0" smtClean="0">
               <a:solidFill>
                 <a:schemeClr val="bg1"/>
@@ -5153,14 +4986,18 @@
                 <a:latin typeface="Arial" pitchFamily="34" charset="0"/>
                 <a:cs typeface="Arial" pitchFamily="34" charset="0"/>
               </a:rPr>
-              <a:t> HTTP protocol for communication</a:t>
-            </a:r>
-          </a:p>
-          <a:p>
-            <a:pPr>
-              <a:buFontTx/>
-              <a:buChar char="-"/>
-            </a:pPr>
+              <a:t> HTTP protocol for </a:t>
+            </a:r>
+            <a:r>
+              <a:rPr lang="en-US" dirty="0" smtClean="0">
+                <a:solidFill>
+                  <a:schemeClr val="bg1"/>
+                </a:solidFill>
+                <a:latin typeface="Arial" pitchFamily="34" charset="0"/>
+                <a:cs typeface="Arial" pitchFamily="34" charset="0"/>
+              </a:rPr>
+              <a:t>communication</a:t>
+            </a:r>
             <a:endParaRPr lang="en-US" dirty="0" smtClean="0">
               <a:solidFill>
                 <a:schemeClr val="bg1"/>
@@ -5182,8 +5019,90 @@
                 <a:latin typeface="Arial" pitchFamily="34" charset="0"/>
                 <a:cs typeface="Arial" pitchFamily="34" charset="0"/>
               </a:rPr>
-              <a:t> Lots of JSP and JSTL</a:t>
-            </a:r>
+              <a:t> Lots of </a:t>
+            </a:r>
+            <a:r>
+              <a:rPr lang="en-US" dirty="0" smtClean="0">
+                <a:solidFill>
+                  <a:schemeClr val="bg1"/>
+                </a:solidFill>
+                <a:latin typeface="Arial" pitchFamily="34" charset="0"/>
+                <a:cs typeface="Arial" pitchFamily="34" charset="0"/>
+              </a:rPr>
+              <a:t>JSP, JSTL</a:t>
+            </a:r>
+            <a:endParaRPr lang="en-US" dirty="0" smtClean="0">
+              <a:solidFill>
+                <a:schemeClr val="bg1"/>
+              </a:solidFill>
+              <a:latin typeface="Arial" pitchFamily="34" charset="0"/>
+              <a:cs typeface="Arial" pitchFamily="34" charset="0"/>
+            </a:endParaRPr>
+          </a:p>
+          <a:p>
+            <a:pPr>
+              <a:buFontTx/>
+              <a:buChar char="-"/>
+            </a:pPr>
+            <a:r>
+              <a:rPr lang="en-US" dirty="0" smtClean="0">
+                <a:solidFill>
+                  <a:schemeClr val="bg1"/>
+                </a:solidFill>
+                <a:latin typeface="Arial" pitchFamily="34" charset="0"/>
+                <a:cs typeface="Arial" pitchFamily="34" charset="0"/>
+              </a:rPr>
+              <a:t> </a:t>
+            </a:r>
+            <a:r>
+              <a:rPr lang="en-US" dirty="0" smtClean="0">
+                <a:solidFill>
+                  <a:schemeClr val="bg1"/>
+                </a:solidFill>
+                <a:latin typeface="Arial" pitchFamily="34" charset="0"/>
+                <a:cs typeface="Arial" pitchFamily="34" charset="0"/>
+              </a:rPr>
+              <a:t>CSS3</a:t>
+            </a:r>
+          </a:p>
+          <a:p>
+            <a:pPr>
+              <a:buFontTx/>
+              <a:buChar char="-"/>
+            </a:pPr>
+            <a:r>
+              <a:rPr lang="en-US" dirty="0" smtClean="0">
+                <a:solidFill>
+                  <a:schemeClr val="bg1"/>
+                </a:solidFill>
+                <a:latin typeface="Arial" pitchFamily="34" charset="0"/>
+                <a:cs typeface="Arial" pitchFamily="34" charset="0"/>
+              </a:rPr>
+              <a:t> MVC for the game design</a:t>
+            </a:r>
+          </a:p>
+          <a:p>
+            <a:pPr>
+              <a:buFontTx/>
+              <a:buChar char="-"/>
+            </a:pPr>
+            <a:r>
+              <a:rPr lang="en-US" dirty="0" smtClean="0">
+                <a:solidFill>
+                  <a:schemeClr val="bg1"/>
+                </a:solidFill>
+                <a:latin typeface="Arial" pitchFamily="34" charset="0"/>
+                <a:cs typeface="Arial" pitchFamily="34" charset="0"/>
+              </a:rPr>
+              <a:t> Design Patterns: Singleton, DAO for DB </a:t>
+            </a:r>
+            <a:endParaRPr lang="en-US" dirty="0" smtClean="0">
+              <a:solidFill>
+                <a:schemeClr val="bg1"/>
+              </a:solidFill>
+              <a:latin typeface="Arial" pitchFamily="34" charset="0"/>
+              <a:cs typeface="Arial" pitchFamily="34" charset="0"/>
+            </a:endParaRPr>
           </a:p>
           <a:p>
             <a:pPr>
@@ -5314,7 +5233,7 @@
       </p:pic>
       <p:pic>
         <p:nvPicPr>
-          <p:cNvPr id="1026" name="Picture 2" descr="C:\Users\Admin\Desktop\player, item, survivor, location diagram.jpg"/>
+          <p:cNvPr id="4" name="Picture 2" descr="C:\Users\Admin\Desktop\diagram_objectives_crises.gif"/>
           <p:cNvPicPr>
             <a:picLocks noChangeAspect="1" noChangeArrowheads="1"/>
           </p:cNvPicPr>
@@ -5330,7 +5249,7 @@
         <p:spPr bwMode="auto">
           <a:xfrm>
             <a:off x="0" y="0"/>
-            <a:ext cx="9144000" cy="6858000"/>
+            <a:ext cx="9144000" cy="6857999"/>
           </a:xfrm>
           <a:prstGeom prst="rect">
             <a:avLst/>
@@ -5490,14 +5409,14 @@
       </p:sp>
       <p:pic>
         <p:nvPicPr>
-          <p:cNvPr id="2050" name="Picture 2" descr="C:\Users\Admin\Desktop\player, objective, crisis.jpg"/>
+          <p:cNvPr id="6" name="Picture 3" descr="C:\Users\Admin\Desktop\diagram_survivors_items_locations.gif"/>
           <p:cNvPicPr>
             <a:picLocks noChangeAspect="1" noChangeArrowheads="1"/>
           </p:cNvPicPr>
           <p:nvPr/>
         </p:nvPicPr>
         <p:blipFill>
-          <a:blip r:embed="rId3" cstate="print"/>
+          <a:blip r:embed="rId3"/>
           <a:srcRect/>
           <a:stretch>
             <a:fillRect/>
@@ -5505,8 +5424,8 @@
         </p:blipFill>
         <p:spPr bwMode="auto">
           <a:xfrm>
-            <a:off x="-1" y="0"/>
-            <a:ext cx="9144001" cy="6858000"/>
+            <a:off x="0" y="0"/>
+            <a:ext cx="9144000" cy="6858000"/>
           </a:xfrm>
           <a:prstGeom prst="rect">
             <a:avLst/>
@@ -5666,7 +5585,7 @@
       </p:sp>
       <p:pic>
         <p:nvPicPr>
-          <p:cNvPr id="3074" name="Picture 2" descr="C:\Users\Admin\Desktop\db_diagram.jpg"/>
+          <p:cNvPr id="4" name="Picture 2" descr="C:\Users\Admin\Desktop\db_diagram.jpg"/>
           <p:cNvPicPr>
             <a:picLocks noChangeAspect="1" noChangeArrowheads="1"/>
           </p:cNvPicPr>
@@ -5777,264 +5696,6 @@
         </p:blipFill>
         <p:spPr bwMode="auto">
           <a:xfrm>
-            <a:off x="0" y="0"/>
-            <a:ext cx="9144000" cy="6887518"/>
-          </a:xfrm>
-          <a:prstGeom prst="rect">
-            <a:avLst/>
-          </a:prstGeom>
-          <a:noFill/>
-        </p:spPr>
-      </p:pic>
-      <p:sp>
-        <p:nvSpPr>
-          <p:cNvPr id="5" name="TextBox 4"/>
-          <p:cNvSpPr txBox="1"/>
-          <p:nvPr/>
-        </p:nvSpPr>
-        <p:spPr>
-          <a:xfrm>
-            <a:off x="1828800" y="1752600"/>
-            <a:ext cx="5503430" cy="2862322"/>
-          </a:xfrm>
-          <a:prstGeom prst="rect">
-            <a:avLst/>
-          </a:prstGeom>
-          <a:noFill/>
-        </p:spPr>
-        <p:txBody>
-          <a:bodyPr wrap="none" rtlCol="0">
-            <a:spAutoFit/>
-          </a:bodyPr>
-          <a:lstStyle/>
-          <a:p>
-            <a:r>
-              <a:rPr lang="en-US" sz="4800" dirty="0" smtClean="0">
-                <a:solidFill>
-                  <a:schemeClr val="bg1"/>
-                </a:solidFill>
-                <a:latin typeface="Arial" pitchFamily="34" charset="0"/>
-                <a:cs typeface="Arial" pitchFamily="34" charset="0"/>
-              </a:rPr>
-              <a:t>Some other Techs:</a:t>
-            </a:r>
-            <a:endParaRPr lang="en-US" sz="2200" dirty="0" smtClean="0">
-              <a:solidFill>
-                <a:schemeClr val="bg1"/>
-              </a:solidFill>
-              <a:latin typeface="Arial" pitchFamily="34" charset="0"/>
-              <a:cs typeface="Arial" pitchFamily="34" charset="0"/>
-            </a:endParaRPr>
-          </a:p>
-          <a:p>
-            <a:endParaRPr lang="en-US" sz="2200" dirty="0" smtClean="0">
-              <a:solidFill>
-                <a:schemeClr val="bg1"/>
-              </a:solidFill>
-              <a:latin typeface="Arial" pitchFamily="34" charset="0"/>
-              <a:cs typeface="Arial" pitchFamily="34" charset="0"/>
-            </a:endParaRPr>
-          </a:p>
-          <a:p>
-            <a:endParaRPr lang="en-US" sz="2200" dirty="0" smtClean="0">
-              <a:solidFill>
-                <a:schemeClr val="bg1"/>
-              </a:solidFill>
-              <a:latin typeface="Arial" pitchFamily="34" charset="0"/>
-              <a:cs typeface="Arial" pitchFamily="34" charset="0"/>
-            </a:endParaRPr>
-          </a:p>
-          <a:p>
-            <a:pPr>
-              <a:buFontTx/>
-              <a:buChar char="-"/>
-            </a:pPr>
-            <a:r>
-              <a:rPr lang="en-US" sz="2200" dirty="0" smtClean="0">
-                <a:solidFill>
-                  <a:schemeClr val="bg1"/>
-                </a:solidFill>
-                <a:latin typeface="Arial" pitchFamily="34" charset="0"/>
-                <a:cs typeface="Arial" pitchFamily="34" charset="0"/>
-              </a:rPr>
-              <a:t> </a:t>
-            </a:r>
-            <a:r>
-              <a:rPr lang="en-US" sz="2200" dirty="0" smtClean="0">
-                <a:solidFill>
-                  <a:schemeClr val="bg1"/>
-                </a:solidFill>
-                <a:latin typeface="Arial" pitchFamily="34" charset="0"/>
-                <a:cs typeface="Arial" pitchFamily="34" charset="0"/>
-              </a:rPr>
-              <a:t>MVC for the game design</a:t>
-            </a:r>
-            <a:endParaRPr lang="en-US" sz="2200" dirty="0" smtClean="0">
-              <a:solidFill>
-                <a:schemeClr val="bg1"/>
-              </a:solidFill>
-              <a:latin typeface="Arial" pitchFamily="34" charset="0"/>
-              <a:cs typeface="Arial" pitchFamily="34" charset="0"/>
-            </a:endParaRPr>
-          </a:p>
-          <a:p>
-            <a:pPr>
-              <a:buFontTx/>
-              <a:buChar char="-"/>
-            </a:pPr>
-            <a:endParaRPr lang="en-US" sz="2200" dirty="0" smtClean="0">
-              <a:solidFill>
-                <a:schemeClr val="bg1"/>
-              </a:solidFill>
-              <a:latin typeface="Arial" pitchFamily="34" charset="0"/>
-              <a:cs typeface="Arial" pitchFamily="34" charset="0"/>
-            </a:endParaRPr>
-          </a:p>
-          <a:p>
-            <a:pPr>
-              <a:buFontTx/>
-              <a:buChar char="-"/>
-            </a:pPr>
-            <a:endParaRPr lang="en-US" sz="2200" dirty="0" smtClean="0">
-              <a:solidFill>
-                <a:schemeClr val="bg1"/>
-              </a:solidFill>
-              <a:latin typeface="Arial" pitchFamily="34" charset="0"/>
-              <a:cs typeface="Arial" pitchFamily="34" charset="0"/>
-            </a:endParaRPr>
-          </a:p>
-          <a:p>
-            <a:pPr>
-              <a:buFontTx/>
-              <a:buChar char="-"/>
-            </a:pPr>
-            <a:r>
-              <a:rPr lang="en-US" sz="2200" dirty="0" smtClean="0">
-                <a:solidFill>
-                  <a:schemeClr val="bg1"/>
-                </a:solidFill>
-                <a:latin typeface="Arial" pitchFamily="34" charset="0"/>
-                <a:cs typeface="Arial" pitchFamily="34" charset="0"/>
-              </a:rPr>
-              <a:t> Design Patterns: </a:t>
-            </a:r>
-            <a:r>
-              <a:rPr lang="en-US" sz="2200" dirty="0" smtClean="0">
-                <a:solidFill>
-                  <a:schemeClr val="bg1"/>
-                </a:solidFill>
-                <a:latin typeface="Arial" pitchFamily="34" charset="0"/>
-                <a:cs typeface="Arial" pitchFamily="34" charset="0"/>
-              </a:rPr>
-              <a:t>Singleton, DAO for </a:t>
-            </a:r>
-            <a:r>
-              <a:rPr lang="en-US" sz="2200" dirty="0" smtClean="0">
-                <a:solidFill>
-                  <a:schemeClr val="bg1"/>
-                </a:solidFill>
-                <a:latin typeface="Arial" pitchFamily="34" charset="0"/>
-                <a:cs typeface="Arial" pitchFamily="34" charset="0"/>
-              </a:rPr>
-              <a:t>DB </a:t>
-            </a:r>
-            <a:endParaRPr lang="bg-BG" sz="2200" dirty="0">
-              <a:solidFill>
-                <a:schemeClr val="bg1"/>
-              </a:solidFill>
-              <a:latin typeface="Arial" pitchFamily="34" charset="0"/>
-              <a:cs typeface="Arial" pitchFamily="34" charset="0"/>
-            </a:endParaRPr>
-          </a:p>
-        </p:txBody>
-      </p:sp>
-    </p:spTree>
-  </p:cSld>
-  <p:clrMapOvr>
-    <a:masterClrMapping/>
-  </p:clrMapOvr>
-  <p:timing>
-    <p:tnLst>
-      <p:par>
-        <p:cTn id="1" dur="indefinite" restart="never" nodeType="tmRoot"/>
-      </p:par>
-    </p:tnLst>
-  </p:timing>
-</p:sld>
-</file>
-
-<file path=ppt/slides/slide9.xml><?xml version="1.0" encoding="utf-8"?>
-<p:sld xmlns:a="http://schemas.openxmlformats.org/drawingml/2006/main" xmlns:r="http://schemas.openxmlformats.org/officeDocument/2006/relationships" xmlns:p="http://schemas.openxmlformats.org/presentationml/2006/main">
-  <p:cSld>
-    <p:spTree>
-      <p:nvGrpSpPr>
-        <p:cNvPr id="1" name=""/>
-        <p:cNvGrpSpPr/>
-        <p:nvPr/>
-      </p:nvGrpSpPr>
-      <p:grpSpPr>
-        <a:xfrm>
-          <a:off x="0" y="0"/>
-          <a:ext cx="0" cy="0"/>
-          <a:chOff x="0" y="0"/>
-          <a:chExt cx="0" cy="0"/>
-        </a:xfrm>
-      </p:grpSpPr>
-      <p:sp>
-        <p:nvSpPr>
-          <p:cNvPr id="2" name="Title 1"/>
-          <p:cNvSpPr>
-            <a:spLocks noGrp="1"/>
-          </p:cNvSpPr>
-          <p:nvPr>
-            <p:ph type="title"/>
-          </p:nvPr>
-        </p:nvSpPr>
-        <p:spPr/>
-        <p:txBody>
-          <a:bodyPr/>
-          <a:lstStyle/>
-          <a:p>
-            <a:endParaRPr lang="bg-BG" dirty="0"/>
-          </a:p>
-        </p:txBody>
-      </p:sp>
-      <p:sp>
-        <p:nvSpPr>
-          <p:cNvPr id="3" name="Content Placeholder 2"/>
-          <p:cNvSpPr>
-            <a:spLocks noGrp="1"/>
-          </p:cNvSpPr>
-          <p:nvPr>
-            <p:ph idx="1"/>
-          </p:nvPr>
-        </p:nvSpPr>
-        <p:spPr/>
-        <p:txBody>
-          <a:bodyPr/>
-          <a:lstStyle/>
-          <a:p>
-            <a:endParaRPr lang="bg-BG" dirty="0"/>
-          </a:p>
-        </p:txBody>
-      </p:sp>
-      <p:pic>
-        <p:nvPicPr>
-          <p:cNvPr id="2051" name="Picture 3" descr="C:\Users\Admin\Desktop\background - Copy.jpg"/>
-          <p:cNvPicPr>
-            <a:picLocks noChangeAspect="1" noChangeArrowheads="1"/>
-          </p:cNvPicPr>
-          <p:nvPr/>
-        </p:nvPicPr>
-        <p:blipFill>
-          <a:blip r:embed="rId2"/>
-          <a:srcRect/>
-          <a:stretch>
-            <a:fillRect/>
-          </a:stretch>
-        </p:blipFill>
-        <p:spPr bwMode="auto">
-          <a:xfrm>
             <a:off x="1676400" y="0"/>
             <a:ext cx="5867400" cy="6887518"/>
           </a:xfrm>
@@ -6070,6 +5731,307 @@
           <a:noFill/>
         </p:spPr>
       </p:pic>
+    </p:spTree>
+  </p:cSld>
+  <p:clrMapOvr>
+    <a:masterClrMapping/>
+  </p:clrMapOvr>
+  <p:timing>
+    <p:tnLst>
+      <p:par>
+        <p:cTn id="1" dur="indefinite" restart="never" nodeType="tmRoot"/>
+      </p:par>
+    </p:tnLst>
+  </p:timing>
+</p:sld>
+</file>
+
+<file path=ppt/slides/slide9.xml><?xml version="1.0" encoding="utf-8"?>
+<p:sld xmlns:a="http://schemas.openxmlformats.org/drawingml/2006/main" xmlns:r="http://schemas.openxmlformats.org/officeDocument/2006/relationships" xmlns:p="http://schemas.openxmlformats.org/presentationml/2006/main">
+  <p:cSld>
+    <p:spTree>
+      <p:nvGrpSpPr>
+        <p:cNvPr id="1" name=""/>
+        <p:cNvGrpSpPr/>
+        <p:nvPr/>
+      </p:nvGrpSpPr>
+      <p:grpSpPr>
+        <a:xfrm>
+          <a:off x="0" y="0"/>
+          <a:ext cx="0" cy="0"/>
+          <a:chOff x="0" y="0"/>
+          <a:chExt cx="0" cy="0"/>
+        </a:xfrm>
+      </p:grpSpPr>
+      <p:sp>
+        <p:nvSpPr>
+          <p:cNvPr id="2" name="Title 1"/>
+          <p:cNvSpPr>
+            <a:spLocks noGrp="1"/>
+          </p:cNvSpPr>
+          <p:nvPr>
+            <p:ph type="title"/>
+          </p:nvPr>
+        </p:nvSpPr>
+        <p:spPr/>
+        <p:txBody>
+          <a:bodyPr/>
+          <a:lstStyle/>
+          <a:p>
+            <a:endParaRPr lang="bg-BG" dirty="0"/>
+          </a:p>
+        </p:txBody>
+      </p:sp>
+      <p:sp>
+        <p:nvSpPr>
+          <p:cNvPr id="3" name="Content Placeholder 2"/>
+          <p:cNvSpPr>
+            <a:spLocks noGrp="1"/>
+          </p:cNvSpPr>
+          <p:nvPr>
+            <p:ph idx="1"/>
+          </p:nvPr>
+        </p:nvSpPr>
+        <p:spPr/>
+        <p:txBody>
+          <a:bodyPr/>
+          <a:lstStyle/>
+          <a:p>
+            <a:endParaRPr lang="bg-BG" dirty="0"/>
+          </a:p>
+        </p:txBody>
+      </p:sp>
+      <p:pic>
+        <p:nvPicPr>
+          <p:cNvPr id="2051" name="Picture 3" descr="C:\Users\Admin\Desktop\background - Copy.jpg"/>
+          <p:cNvPicPr>
+            <a:picLocks noChangeAspect="1" noChangeArrowheads="1"/>
+          </p:cNvPicPr>
+          <p:nvPr/>
+        </p:nvPicPr>
+        <p:blipFill>
+          <a:blip r:embed="rId2"/>
+          <a:srcRect/>
+          <a:stretch>
+            <a:fillRect/>
+          </a:stretch>
+        </p:blipFill>
+        <p:spPr bwMode="auto">
+          <a:xfrm>
+            <a:off x="0" y="0"/>
+            <a:ext cx="9144000" cy="6887518"/>
+          </a:xfrm>
+          <a:prstGeom prst="rect">
+            <a:avLst/>
+          </a:prstGeom>
+          <a:noFill/>
+        </p:spPr>
+      </p:pic>
+      <p:sp>
+        <p:nvSpPr>
+          <p:cNvPr id="5" name="TextBox 4"/>
+          <p:cNvSpPr txBox="1"/>
+          <p:nvPr/>
+        </p:nvSpPr>
+        <p:spPr>
+          <a:xfrm>
+            <a:off x="2133600" y="1752600"/>
+            <a:ext cx="4506490" cy="4154984"/>
+          </a:xfrm>
+          <a:prstGeom prst="rect">
+            <a:avLst/>
+          </a:prstGeom>
+          <a:noFill/>
+        </p:spPr>
+        <p:txBody>
+          <a:bodyPr wrap="none" rtlCol="0">
+            <a:spAutoFit/>
+          </a:bodyPr>
+          <a:lstStyle/>
+          <a:p>
+            <a:pPr algn="ctr"/>
+            <a:r>
+              <a:rPr lang="en-US" sz="4800" dirty="0" smtClean="0">
+                <a:solidFill>
+                  <a:schemeClr val="bg1"/>
+                </a:solidFill>
+                <a:latin typeface="Arial" pitchFamily="34" charset="0"/>
+                <a:cs typeface="Arial" pitchFamily="34" charset="0"/>
+              </a:rPr>
+              <a:t>Future Plans:</a:t>
+            </a:r>
+            <a:endParaRPr lang="en-US" sz="2200" dirty="0" smtClean="0">
+              <a:solidFill>
+                <a:schemeClr val="bg1"/>
+              </a:solidFill>
+              <a:latin typeface="Arial" pitchFamily="34" charset="0"/>
+              <a:cs typeface="Arial" pitchFamily="34" charset="0"/>
+            </a:endParaRPr>
+          </a:p>
+          <a:p>
+            <a:endParaRPr lang="en-US" dirty="0" smtClean="0">
+              <a:solidFill>
+                <a:schemeClr val="bg1"/>
+              </a:solidFill>
+              <a:latin typeface="Arial" pitchFamily="34" charset="0"/>
+              <a:cs typeface="Arial" pitchFamily="34" charset="0"/>
+            </a:endParaRPr>
+          </a:p>
+          <a:p>
+            <a:r>
+              <a:rPr lang="en-US" dirty="0" smtClean="0">
+                <a:solidFill>
+                  <a:schemeClr val="bg1"/>
+                </a:solidFill>
+                <a:latin typeface="Arial" pitchFamily="34" charset="0"/>
+                <a:cs typeface="Arial" pitchFamily="34" charset="0"/>
+              </a:rPr>
+              <a:t>- Save Game Option</a:t>
+            </a:r>
+          </a:p>
+          <a:p>
+            <a:endParaRPr lang="en-US" dirty="0" smtClean="0">
+              <a:solidFill>
+                <a:schemeClr val="bg1"/>
+              </a:solidFill>
+              <a:latin typeface="Arial" pitchFamily="34" charset="0"/>
+              <a:cs typeface="Arial" pitchFamily="34" charset="0"/>
+            </a:endParaRPr>
+          </a:p>
+          <a:p>
+            <a:pPr>
+              <a:buFontTx/>
+              <a:buChar char="-"/>
+            </a:pPr>
+            <a:r>
+              <a:rPr lang="en-US" dirty="0" smtClean="0">
+                <a:solidFill>
+                  <a:schemeClr val="bg1"/>
+                </a:solidFill>
+                <a:latin typeface="Arial" pitchFamily="34" charset="0"/>
+                <a:cs typeface="Arial" pitchFamily="34" charset="0"/>
+              </a:rPr>
+              <a:t> Multiplayer integration</a:t>
+            </a:r>
+          </a:p>
+          <a:p>
+            <a:pPr>
+              <a:buFontTx/>
+              <a:buChar char="-"/>
+            </a:pPr>
+            <a:endParaRPr lang="en-US" dirty="0" smtClean="0">
+              <a:solidFill>
+                <a:schemeClr val="bg1"/>
+              </a:solidFill>
+              <a:latin typeface="Arial" pitchFamily="34" charset="0"/>
+              <a:cs typeface="Arial" pitchFamily="34" charset="0"/>
+            </a:endParaRPr>
+          </a:p>
+          <a:p>
+            <a:pPr>
+              <a:buFontTx/>
+              <a:buChar char="-"/>
+            </a:pPr>
+            <a:r>
+              <a:rPr lang="en-US" dirty="0" smtClean="0">
+                <a:solidFill>
+                  <a:schemeClr val="bg1"/>
+                </a:solidFill>
+                <a:latin typeface="Arial" pitchFamily="34" charset="0"/>
+                <a:cs typeface="Arial" pitchFamily="34" charset="0"/>
+              </a:rPr>
+              <a:t> New Heroes</a:t>
+            </a:r>
+          </a:p>
+          <a:p>
+            <a:pPr>
+              <a:buFontTx/>
+              <a:buChar char="-"/>
+            </a:pPr>
+            <a:endParaRPr lang="en-US" dirty="0" smtClean="0">
+              <a:solidFill>
+                <a:schemeClr val="bg1"/>
+              </a:solidFill>
+              <a:latin typeface="Arial" pitchFamily="34" charset="0"/>
+              <a:cs typeface="Arial" pitchFamily="34" charset="0"/>
+            </a:endParaRPr>
+          </a:p>
+          <a:p>
+            <a:pPr>
+              <a:buFontTx/>
+              <a:buChar char="-"/>
+            </a:pPr>
+            <a:r>
+              <a:rPr lang="en-US" dirty="0" smtClean="0">
+                <a:solidFill>
+                  <a:schemeClr val="bg1"/>
+                </a:solidFill>
+                <a:latin typeface="Arial" pitchFamily="34" charset="0"/>
+                <a:cs typeface="Arial" pitchFamily="34" charset="0"/>
+              </a:rPr>
+              <a:t> New Items</a:t>
+            </a:r>
+          </a:p>
+          <a:p>
+            <a:pPr>
+              <a:buFontTx/>
+              <a:buChar char="-"/>
+            </a:pPr>
+            <a:endParaRPr lang="en-US" dirty="0" smtClean="0">
+              <a:solidFill>
+                <a:schemeClr val="bg1"/>
+              </a:solidFill>
+              <a:latin typeface="Arial" pitchFamily="34" charset="0"/>
+              <a:cs typeface="Arial" pitchFamily="34" charset="0"/>
+            </a:endParaRPr>
+          </a:p>
+          <a:p>
+            <a:pPr>
+              <a:buFontTx/>
+              <a:buChar char="-"/>
+            </a:pPr>
+            <a:r>
+              <a:rPr lang="en-US" dirty="0" smtClean="0">
+                <a:solidFill>
+                  <a:schemeClr val="bg1"/>
+                </a:solidFill>
+                <a:latin typeface="Arial" pitchFamily="34" charset="0"/>
+                <a:cs typeface="Arial" pitchFamily="34" charset="0"/>
+              </a:rPr>
+              <a:t> Adding Survivor, Item and Player abilities</a:t>
+            </a:r>
+          </a:p>
+          <a:p>
+            <a:pPr>
+              <a:buFontTx/>
+              <a:buChar char="-"/>
+            </a:pPr>
+            <a:endParaRPr lang="en-US" dirty="0" smtClean="0">
+              <a:solidFill>
+                <a:schemeClr val="bg1"/>
+              </a:solidFill>
+              <a:latin typeface="Arial" pitchFamily="34" charset="0"/>
+              <a:cs typeface="Arial" pitchFamily="34" charset="0"/>
+            </a:endParaRPr>
+          </a:p>
+          <a:p>
+            <a:pPr>
+              <a:buFontTx/>
+              <a:buChar char="-"/>
+            </a:pPr>
+            <a:r>
+              <a:rPr lang="en-US" dirty="0" smtClean="0">
+                <a:solidFill>
+                  <a:schemeClr val="bg1"/>
+                </a:solidFill>
+                <a:latin typeface="Arial" pitchFamily="34" charset="0"/>
+                <a:cs typeface="Arial" pitchFamily="34" charset="0"/>
+              </a:rPr>
+              <a:t> Adding chat for multiplayer</a:t>
+            </a:r>
+          </a:p>
+        </p:txBody>
+      </p:sp>
     </p:spTree>
   </p:cSld>
   <p:clrMapOvr>
